--- a/5week/2019775054전상훈.pptx
+++ b/5week/2019775054전상훈.pptx
@@ -223,7 +223,7 @@
           <a:p>
             <a:fld id="{59DE86E0-D094-4313-879C-78CBA3318BDF}" type="datetimeFigureOut">
               <a:rPr lang="ko-KR" altLang="en-US" smtClean="0"/>
-              <a:t>2023-10-10</a:t>
+              <a:t>2023-10-11</a:t>
             </a:fld>
             <a:endParaRPr lang="ko-KR" altLang="en-US"/>
           </a:p>
@@ -2449,7 +2449,7 @@
           <a:p>
             <a:fld id="{ACDF4FC7-3F2E-46AD-935B-5AD813D05717}" type="datetimeFigureOut">
               <a:rPr lang="ko-KR" altLang="en-US" smtClean="0"/>
-              <a:t>2023-10-10</a:t>
+              <a:t>2023-10-11</a:t>
             </a:fld>
             <a:endParaRPr lang="ko-KR" altLang="en-US"/>
           </a:p>
@@ -2647,7 +2647,7 @@
           <a:p>
             <a:fld id="{ACDF4FC7-3F2E-46AD-935B-5AD813D05717}" type="datetimeFigureOut">
               <a:rPr lang="ko-KR" altLang="en-US" smtClean="0"/>
-              <a:t>2023-10-10</a:t>
+              <a:t>2023-10-11</a:t>
             </a:fld>
             <a:endParaRPr lang="ko-KR" altLang="en-US"/>
           </a:p>
@@ -2855,7 +2855,7 @@
           <a:p>
             <a:fld id="{ACDF4FC7-3F2E-46AD-935B-5AD813D05717}" type="datetimeFigureOut">
               <a:rPr lang="ko-KR" altLang="en-US" smtClean="0"/>
-              <a:t>2023-10-10</a:t>
+              <a:t>2023-10-11</a:t>
             </a:fld>
             <a:endParaRPr lang="ko-KR" altLang="en-US"/>
           </a:p>
@@ -3053,7 +3053,7 @@
           <a:p>
             <a:fld id="{ACDF4FC7-3F2E-46AD-935B-5AD813D05717}" type="datetimeFigureOut">
               <a:rPr lang="ko-KR" altLang="en-US" smtClean="0"/>
-              <a:t>2023-10-10</a:t>
+              <a:t>2023-10-11</a:t>
             </a:fld>
             <a:endParaRPr lang="ko-KR" altLang="en-US"/>
           </a:p>
@@ -3328,7 +3328,7 @@
           <a:p>
             <a:fld id="{ACDF4FC7-3F2E-46AD-935B-5AD813D05717}" type="datetimeFigureOut">
               <a:rPr lang="ko-KR" altLang="en-US" smtClean="0"/>
-              <a:t>2023-10-10</a:t>
+              <a:t>2023-10-11</a:t>
             </a:fld>
             <a:endParaRPr lang="ko-KR" altLang="en-US"/>
           </a:p>
@@ -3593,7 +3593,7 @@
           <a:p>
             <a:fld id="{ACDF4FC7-3F2E-46AD-935B-5AD813D05717}" type="datetimeFigureOut">
               <a:rPr lang="ko-KR" altLang="en-US" smtClean="0"/>
-              <a:t>2023-10-10</a:t>
+              <a:t>2023-10-11</a:t>
             </a:fld>
             <a:endParaRPr lang="ko-KR" altLang="en-US"/>
           </a:p>
@@ -4005,7 +4005,7 @@
           <a:p>
             <a:fld id="{ACDF4FC7-3F2E-46AD-935B-5AD813D05717}" type="datetimeFigureOut">
               <a:rPr lang="ko-KR" altLang="en-US" smtClean="0"/>
-              <a:t>2023-10-10</a:t>
+              <a:t>2023-10-11</a:t>
             </a:fld>
             <a:endParaRPr lang="ko-KR" altLang="en-US"/>
           </a:p>
@@ -4146,7 +4146,7 @@
           <a:p>
             <a:fld id="{ACDF4FC7-3F2E-46AD-935B-5AD813D05717}" type="datetimeFigureOut">
               <a:rPr lang="ko-KR" altLang="en-US" smtClean="0"/>
-              <a:t>2023-10-10</a:t>
+              <a:t>2023-10-11</a:t>
             </a:fld>
             <a:endParaRPr lang="ko-KR" altLang="en-US"/>
           </a:p>
@@ -4259,7 +4259,7 @@
           <a:p>
             <a:fld id="{ACDF4FC7-3F2E-46AD-935B-5AD813D05717}" type="datetimeFigureOut">
               <a:rPr lang="ko-KR" altLang="en-US" smtClean="0"/>
-              <a:t>2023-10-10</a:t>
+              <a:t>2023-10-11</a:t>
             </a:fld>
             <a:endParaRPr lang="ko-KR" altLang="en-US"/>
           </a:p>
@@ -4570,7 +4570,7 @@
           <a:p>
             <a:fld id="{ACDF4FC7-3F2E-46AD-935B-5AD813D05717}" type="datetimeFigureOut">
               <a:rPr lang="ko-KR" altLang="en-US" smtClean="0"/>
-              <a:t>2023-10-10</a:t>
+              <a:t>2023-10-11</a:t>
             </a:fld>
             <a:endParaRPr lang="ko-KR" altLang="en-US"/>
           </a:p>
@@ -4858,7 +4858,7 @@
           <a:p>
             <a:fld id="{ACDF4FC7-3F2E-46AD-935B-5AD813D05717}" type="datetimeFigureOut">
               <a:rPr lang="ko-KR" altLang="en-US" smtClean="0"/>
-              <a:t>2023-10-10</a:t>
+              <a:t>2023-10-11</a:t>
             </a:fld>
             <a:endParaRPr lang="ko-KR" altLang="en-US"/>
           </a:p>
@@ -5099,7 +5099,7 @@
           <a:p>
             <a:fld id="{ACDF4FC7-3F2E-46AD-935B-5AD813D05717}" type="datetimeFigureOut">
               <a:rPr lang="ko-KR" altLang="en-US" smtClean="0"/>
-              <a:t>2023-10-10</a:t>
+              <a:t>2023-10-11</a:t>
             </a:fld>
             <a:endParaRPr lang="ko-KR" altLang="en-US"/>
           </a:p>
@@ -5825,6 +5825,45 @@
           </a:fontRef>
         </p:style>
       </p:cxnSp>
+      <p:sp>
+        <p:nvSpPr>
+          <p:cNvPr id="2" name="TextBox 1">
+            <a:extLst>
+              <a:ext uri="{FF2B5EF4-FFF2-40B4-BE49-F238E27FC236}">
+                <a16:creationId xmlns:a16="http://schemas.microsoft.com/office/drawing/2014/main" id="{CC1645E7-A377-F025-AF41-09FB93466515}"/>
+              </a:ext>
+            </a:extLst>
+          </p:cNvPr>
+          <p:cNvSpPr txBox="1"/>
+          <p:nvPr/>
+        </p:nvSpPr>
+        <p:spPr>
+          <a:xfrm>
+            <a:off x="509048" y="286177"/>
+            <a:ext cx="772997" cy="369332"/>
+          </a:xfrm>
+          <a:prstGeom prst="rect">
+            <a:avLst/>
+          </a:prstGeom>
+          <a:noFill/>
+        </p:spPr>
+        <p:txBody>
+          <a:bodyPr wrap="square" rtlCol="0">
+            <a:spAutoFit/>
+          </a:bodyPr>
+          <a:lstStyle/>
+          <a:p>
+            <a:r>
+              <a:rPr lang="en-US" altLang="ko-KR"/>
+              <a:t>30</a:t>
+            </a:r>
+            <a:r>
+              <a:rPr lang="ko-KR" altLang="en-US" dirty="0"/>
+              <a:t>점</a:t>
+            </a:r>
+          </a:p>
+        </p:txBody>
+      </p:sp>
     </p:spTree>
     <p:extLst>
       <p:ext uri="{BB962C8B-B14F-4D97-AF65-F5344CB8AC3E}">

--- a/5week/2019775054전상훈.pptx
+++ b/5week/2019775054전상훈.pptx
@@ -5,7 +5,7 @@
     <p:sldMasterId id="2147483648" r:id="rId1"/>
   </p:sldMasterIdLst>
   <p:notesMasterIdLst>
-    <p:notesMasterId r:id="rId26"/>
+    <p:notesMasterId r:id="rId27"/>
   </p:notesMasterIdLst>
   <p:sldIdLst>
     <p:sldId id="257" r:id="rId2"/>
@@ -31,7 +31,8 @@
     <p:sldId id="309" r:id="rId22"/>
     <p:sldId id="296" r:id="rId23"/>
     <p:sldId id="310" r:id="rId24"/>
-    <p:sldId id="291" r:id="rId25"/>
+    <p:sldId id="311" r:id="rId25"/>
+    <p:sldId id="291" r:id="rId26"/>
   </p:sldIdLst>
   <p:sldSz cx="12192000" cy="6858000"/>
   <p:notesSz cx="6858000" cy="9144000"/>
@@ -5825,45 +5826,6 @@
           </a:fontRef>
         </p:style>
       </p:cxnSp>
-      <p:sp>
-        <p:nvSpPr>
-          <p:cNvPr id="2" name="TextBox 1">
-            <a:extLst>
-              <a:ext uri="{FF2B5EF4-FFF2-40B4-BE49-F238E27FC236}">
-                <a16:creationId xmlns:a16="http://schemas.microsoft.com/office/drawing/2014/main" id="{CC1645E7-A377-F025-AF41-09FB93466515}"/>
-              </a:ext>
-            </a:extLst>
-          </p:cNvPr>
-          <p:cNvSpPr txBox="1"/>
-          <p:nvPr/>
-        </p:nvSpPr>
-        <p:spPr>
-          <a:xfrm>
-            <a:off x="509048" y="286177"/>
-            <a:ext cx="772997" cy="369332"/>
-          </a:xfrm>
-          <a:prstGeom prst="rect">
-            <a:avLst/>
-          </a:prstGeom>
-          <a:noFill/>
-        </p:spPr>
-        <p:txBody>
-          <a:bodyPr wrap="square" rtlCol="0">
-            <a:spAutoFit/>
-          </a:bodyPr>
-          <a:lstStyle/>
-          <a:p>
-            <a:r>
-              <a:rPr lang="en-US" altLang="ko-KR"/>
-              <a:t>30</a:t>
-            </a:r>
-            <a:r>
-              <a:rPr lang="ko-KR" altLang="en-US" dirty="0"/>
-              <a:t>점</a:t>
-            </a:r>
-          </a:p>
-        </p:txBody>
-      </p:sp>
     </p:spTree>
     <p:extLst>
       <p:ext uri="{BB962C8B-B14F-4D97-AF65-F5344CB8AC3E}">
@@ -6036,7 +5998,7 @@
         <p:spPr>
           <a:xfrm>
             <a:off x="946740" y="1472424"/>
-            <a:ext cx="4641260" cy="3539430"/>
+            <a:ext cx="5011000" cy="3539430"/>
           </a:xfrm>
           <a:prstGeom prst="rect">
             <a:avLst/>
@@ -6053,41 +6015,48 @@
               <a:buAutoNum type="arabicPeriod"/>
             </a:pPr>
             <a:r>
-              <a:rPr lang="ko-KR" altLang="en-US" sz="2800">
+              <a:rPr lang="ko-KR" altLang="en-US" sz="2800" dirty="0">
                 <a:latin typeface="나눔스퀘어 Bold" panose="020B0600000101010101" pitchFamily="50" charset="-127"/>
                 <a:ea typeface="나눔스퀘어 Bold" panose="020B0600000101010101" pitchFamily="50" charset="-127"/>
               </a:rPr>
-              <a:t> 메인화면</a:t>
-            </a:r>
-            <a:r>
-              <a:rPr lang="en-US" altLang="ko-KR" sz="2800">
+              <a:t> </a:t>
+            </a:r>
+            <a:r>
+              <a:rPr lang="ko-KR" altLang="en-US" sz="2800" dirty="0" err="1">
+                <a:latin typeface="나눔스퀘어 Bold" panose="020B0600000101010101" pitchFamily="50" charset="-127"/>
+                <a:ea typeface="나눔스퀘어 Bold" panose="020B0600000101010101" pitchFamily="50" charset="-127"/>
+              </a:rPr>
+              <a:t>메인화면</a:t>
+            </a:r>
+            <a:r>
+              <a:rPr lang="en-US" altLang="ko-KR" sz="2800" dirty="0">
                 <a:latin typeface="나눔스퀘어 Bold" panose="020B0600000101010101" pitchFamily="50" charset="-127"/>
                 <a:ea typeface="나눔스퀘어 Bold" panose="020B0600000101010101" pitchFamily="50" charset="-127"/>
               </a:rPr>
               <a:t>(</a:t>
             </a:r>
             <a:r>
-              <a:rPr lang="ko-KR" altLang="en-US" sz="2800">
+              <a:rPr lang="ko-KR" altLang="en-US" sz="2800" dirty="0" err="1">
                 <a:latin typeface="나눔스퀘어 Bold" panose="020B0600000101010101" pitchFamily="50" charset="-127"/>
                 <a:ea typeface="나눔스퀘어 Bold" panose="020B0600000101010101" pitchFamily="50" charset="-127"/>
               </a:rPr>
               <a:t>인트로</a:t>
             </a:r>
             <a:r>
-              <a:rPr lang="en-US" altLang="ko-KR" sz="2800">
+              <a:rPr lang="en-US" altLang="ko-KR" sz="2800" dirty="0">
                 <a:latin typeface="나눔스퀘어 Bold" panose="020B0600000101010101" pitchFamily="50" charset="-127"/>
                 <a:ea typeface="나눔스퀘어 Bold" panose="020B0600000101010101" pitchFamily="50" charset="-127"/>
               </a:rPr>
               <a:t>) </a:t>
             </a:r>
             <a:r>
-              <a:rPr lang="ko-KR" altLang="en-US" sz="2800">
+              <a:rPr lang="ko-KR" altLang="en-US" sz="2800" dirty="0">
                 <a:latin typeface="나눔스퀘어 Bold" panose="020B0600000101010101" pitchFamily="50" charset="-127"/>
                 <a:ea typeface="나눔스퀘어 Bold" panose="020B0600000101010101" pitchFamily="50" charset="-127"/>
               </a:rPr>
               <a:t>추가</a:t>
             </a:r>
-            <a:endParaRPr lang="en-US" altLang="ko-KR" sz="2800">
+            <a:endParaRPr lang="en-US" altLang="ko-KR" sz="2800" dirty="0">
               <a:latin typeface="나눔스퀘어 Bold" panose="020B0600000101010101" pitchFamily="50" charset="-127"/>
               <a:ea typeface="나눔스퀘어 Bold" panose="020B0600000101010101" pitchFamily="50" charset="-127"/>
             </a:endParaRPr>
@@ -6097,13 +6066,13 @@
               <a:buAutoNum type="arabicPeriod"/>
             </a:pPr>
             <a:r>
-              <a:rPr lang="ko-KR" altLang="en-US" sz="2800">
+              <a:rPr lang="ko-KR" altLang="en-US" sz="2800" dirty="0">
                 <a:latin typeface="나눔스퀘어 Bold" panose="020B0600000101010101" pitchFamily="50" charset="-127"/>
                 <a:ea typeface="나눔스퀘어 Bold" panose="020B0600000101010101" pitchFamily="50" charset="-127"/>
               </a:rPr>
               <a:t> 설정 화면 추가</a:t>
             </a:r>
-            <a:endParaRPr lang="en-US" altLang="ko-KR" sz="2800">
+            <a:endParaRPr lang="en-US" altLang="ko-KR" sz="2800" dirty="0">
               <a:latin typeface="나눔스퀘어 Bold" panose="020B0600000101010101" pitchFamily="50" charset="-127"/>
               <a:ea typeface="나눔스퀘어 Bold" panose="020B0600000101010101" pitchFamily="50" charset="-127"/>
             </a:endParaRPr>
@@ -6113,13 +6082,13 @@
               <a:buAutoNum type="arabicPeriod"/>
             </a:pPr>
             <a:r>
-              <a:rPr lang="ko-KR" altLang="en-US" sz="2800">
+              <a:rPr lang="ko-KR" altLang="en-US" sz="2800" dirty="0">
                 <a:latin typeface="나눔스퀘어 Bold" panose="020B0600000101010101" pitchFamily="50" charset="-127"/>
                 <a:ea typeface="나눔스퀘어 Bold" panose="020B0600000101010101" pitchFamily="50" charset="-127"/>
               </a:rPr>
               <a:t> 소리 설정 화면 추가</a:t>
             </a:r>
-            <a:endParaRPr lang="en-US" altLang="ko-KR" sz="2800">
+            <a:endParaRPr lang="en-US" altLang="ko-KR" sz="2800" dirty="0">
               <a:latin typeface="나눔스퀘어 Bold" panose="020B0600000101010101" pitchFamily="50" charset="-127"/>
               <a:ea typeface="나눔스퀘어 Bold" panose="020B0600000101010101" pitchFamily="50" charset="-127"/>
             </a:endParaRPr>
@@ -6129,13 +6098,13 @@
               <a:buAutoNum type="arabicPeriod"/>
             </a:pPr>
             <a:r>
-              <a:rPr lang="ko-KR" altLang="en-US" sz="2800">
+              <a:rPr lang="ko-KR" altLang="en-US" sz="2800" dirty="0">
                 <a:latin typeface="나눔스퀘어 Bold" panose="020B0600000101010101" pitchFamily="50" charset="-127"/>
                 <a:ea typeface="나눔스퀘어 Bold" panose="020B0600000101010101" pitchFamily="50" charset="-127"/>
               </a:rPr>
               <a:t> 소리 설정 추가</a:t>
             </a:r>
-            <a:endParaRPr lang="en-US" altLang="ko-KR" sz="2800">
+            <a:endParaRPr lang="en-US" altLang="ko-KR" sz="2800" dirty="0">
               <a:latin typeface="나눔스퀘어 Bold" panose="020B0600000101010101" pitchFamily="50" charset="-127"/>
               <a:ea typeface="나눔스퀘어 Bold" panose="020B0600000101010101" pitchFamily="50" charset="-127"/>
             </a:endParaRPr>
@@ -6145,13 +6114,13 @@
               <a:buAutoNum type="arabicPeriod"/>
             </a:pPr>
             <a:r>
-              <a:rPr lang="ko-KR" altLang="en-US" sz="2800">
+              <a:rPr lang="ko-KR" altLang="en-US" sz="2800" dirty="0">
                 <a:latin typeface="나눔스퀘어 Bold" panose="020B0600000101010101" pitchFamily="50" charset="-127"/>
                 <a:ea typeface="나눔스퀘어 Bold" panose="020B0600000101010101" pitchFamily="50" charset="-127"/>
               </a:rPr>
               <a:t> 글자 색상 설정 화면 추가</a:t>
             </a:r>
-            <a:endParaRPr lang="en-US" altLang="ko-KR" sz="2800">
+            <a:endParaRPr lang="en-US" altLang="ko-KR" sz="2800" dirty="0">
               <a:latin typeface="나눔스퀘어 Bold" panose="020B0600000101010101" pitchFamily="50" charset="-127"/>
               <a:ea typeface="나눔스퀘어 Bold" panose="020B0600000101010101" pitchFamily="50" charset="-127"/>
             </a:endParaRPr>
@@ -6161,13 +6130,27 @@
               <a:buAutoNum type="arabicPeriod"/>
             </a:pPr>
             <a:r>
-              <a:rPr lang="ko-KR" altLang="en-US" sz="2800">
+              <a:rPr lang="ko-KR" altLang="en-US" sz="2800" dirty="0">
                 <a:latin typeface="나눔스퀘어 Bold" panose="020B0600000101010101" pitchFamily="50" charset="-127"/>
                 <a:ea typeface="나눔스퀘어 Bold" panose="020B0600000101010101" pitchFamily="50" charset="-127"/>
               </a:rPr>
-              <a:t> 글자색 변경 추가</a:t>
-            </a:r>
-            <a:endParaRPr lang="en-US" altLang="ko-KR" sz="2800">
+              <a:t> </a:t>
+            </a:r>
+            <a:r>
+              <a:rPr lang="ko-KR" altLang="en-US" sz="2800" dirty="0" err="1">
+                <a:latin typeface="나눔스퀘어 Bold" panose="020B0600000101010101" pitchFamily="50" charset="-127"/>
+                <a:ea typeface="나눔스퀘어 Bold" panose="020B0600000101010101" pitchFamily="50" charset="-127"/>
+              </a:rPr>
+              <a:t>글자색</a:t>
+            </a:r>
+            <a:r>
+              <a:rPr lang="ko-KR" altLang="en-US" sz="2800" dirty="0">
+                <a:latin typeface="나눔스퀘어 Bold" panose="020B0600000101010101" pitchFamily="50" charset="-127"/>
+                <a:ea typeface="나눔스퀘어 Bold" panose="020B0600000101010101" pitchFamily="50" charset="-127"/>
+              </a:rPr>
+              <a:t> 변경 추가</a:t>
+            </a:r>
+            <a:endParaRPr lang="en-US" altLang="ko-KR" sz="2800" dirty="0">
               <a:latin typeface="나눔스퀘어 Bold" panose="020B0600000101010101" pitchFamily="50" charset="-127"/>
               <a:ea typeface="나눔스퀘어 Bold" panose="020B0600000101010101" pitchFamily="50" charset="-127"/>
             </a:endParaRPr>
@@ -6177,13 +6160,13 @@
               <a:buAutoNum type="arabicPeriod"/>
             </a:pPr>
             <a:r>
-              <a:rPr lang="ko-KR" altLang="en-US" sz="2800">
+              <a:rPr lang="ko-KR" altLang="en-US" sz="2800" dirty="0">
                 <a:latin typeface="나눔스퀘어 Bold" panose="020B0600000101010101" pitchFamily="50" charset="-127"/>
                 <a:ea typeface="나눔스퀘어 Bold" panose="020B0600000101010101" pitchFamily="50" charset="-127"/>
               </a:rPr>
               <a:t> 배경 색상 설정 화면 추가</a:t>
             </a:r>
-            <a:endParaRPr lang="en-US" altLang="ko-KR" sz="2800">
+            <a:endParaRPr lang="en-US" altLang="ko-KR" sz="2800" dirty="0">
               <a:latin typeface="나눔스퀘어 Bold" panose="020B0600000101010101" pitchFamily="50" charset="-127"/>
               <a:ea typeface="나눔스퀘어 Bold" panose="020B0600000101010101" pitchFamily="50" charset="-127"/>
             </a:endParaRPr>
@@ -6193,13 +6176,13 @@
               <a:buAutoNum type="arabicPeriod"/>
             </a:pPr>
             <a:r>
-              <a:rPr lang="ko-KR" altLang="en-US" sz="2800">
+              <a:rPr lang="ko-KR" altLang="en-US" sz="2800" dirty="0">
                 <a:latin typeface="나눔스퀘어 Bold" panose="020B0600000101010101" pitchFamily="50" charset="-127"/>
                 <a:ea typeface="나눔스퀘어 Bold" panose="020B0600000101010101" pitchFamily="50" charset="-127"/>
               </a:rPr>
               <a:t> 배경 색상 변경 추가</a:t>
             </a:r>
-            <a:endParaRPr lang="en-US" altLang="ko-KR" sz="2800">
+            <a:endParaRPr lang="en-US" altLang="ko-KR" sz="2800" dirty="0">
               <a:latin typeface="나눔스퀘어 Bold" panose="020B0600000101010101" pitchFamily="50" charset="-127"/>
               <a:ea typeface="나눔스퀘어 Bold" panose="020B0600000101010101" pitchFamily="50" charset="-127"/>
             </a:endParaRPr>
@@ -6221,7 +6204,7 @@
         <p:spPr>
           <a:xfrm>
             <a:off x="6307965" y="1472424"/>
-            <a:ext cx="4747961" cy="2677656"/>
+            <a:ext cx="5011000" cy="2677656"/>
           </a:xfrm>
           <a:prstGeom prst="rect">
             <a:avLst/>
@@ -6235,120 +6218,141 @@
           <a:lstStyle/>
           <a:p>
             <a:r>
-              <a:rPr lang="en-US" altLang="ko-KR" sz="2800">
+              <a:rPr lang="en-US" altLang="ko-KR" sz="2800" dirty="0">
                 <a:latin typeface="나눔스퀘어 Bold" panose="020B0600000101010101" pitchFamily="50" charset="-127"/>
                 <a:ea typeface="나눔스퀘어 Bold" panose="020B0600000101010101" pitchFamily="50" charset="-127"/>
               </a:rPr>
               <a:t>9.  </a:t>
             </a:r>
             <a:r>
-              <a:rPr lang="ko-KR" altLang="en-US" sz="2800">
+              <a:rPr lang="ko-KR" altLang="en-US" sz="2800" dirty="0">
                 <a:latin typeface="나눔스퀘어 Bold" panose="020B0600000101010101" pitchFamily="50" charset="-127"/>
                 <a:ea typeface="나눔스퀘어 Bold" panose="020B0600000101010101" pitchFamily="50" charset="-127"/>
               </a:rPr>
               <a:t> 입력내용 저장 추가</a:t>
             </a:r>
-            <a:endParaRPr lang="en-US" altLang="ko-KR" sz="2800">
+            <a:endParaRPr lang="en-US" altLang="ko-KR" sz="2800" dirty="0">
               <a:latin typeface="나눔스퀘어 Bold" panose="020B0600000101010101" pitchFamily="50" charset="-127"/>
               <a:ea typeface="나눔스퀘어 Bold" panose="020B0600000101010101" pitchFamily="50" charset="-127"/>
             </a:endParaRPr>
           </a:p>
           <a:p>
             <a:r>
-              <a:rPr lang="en-US" altLang="ko-KR" sz="2800">
+              <a:rPr lang="en-US" altLang="ko-KR" sz="2800" dirty="0">
                 <a:latin typeface="나눔스퀘어 Bold" panose="020B0600000101010101" pitchFamily="50" charset="-127"/>
                 <a:ea typeface="나눔스퀘어 Bold" panose="020B0600000101010101" pitchFamily="50" charset="-127"/>
               </a:rPr>
               <a:t>10.</a:t>
             </a:r>
             <a:r>
-              <a:rPr lang="ko-KR" altLang="en-US" sz="2800">
+              <a:rPr lang="ko-KR" altLang="en-US" sz="2800" dirty="0">
                 <a:latin typeface="나눔스퀘어 Bold" panose="020B0600000101010101" pitchFamily="50" charset="-127"/>
                 <a:ea typeface="나눔스퀘어 Bold" panose="020B0600000101010101" pitchFamily="50" charset="-127"/>
               </a:rPr>
               <a:t> 입력내용 출력 화면 추가</a:t>
             </a:r>
-            <a:endParaRPr lang="en-US" altLang="ko-KR" sz="2800">
+            <a:endParaRPr lang="en-US" altLang="ko-KR" sz="2800" dirty="0">
               <a:latin typeface="나눔스퀘어 Bold" panose="020B0600000101010101" pitchFamily="50" charset="-127"/>
               <a:ea typeface="나눔스퀘어 Bold" panose="020B0600000101010101" pitchFamily="50" charset="-127"/>
             </a:endParaRPr>
           </a:p>
           <a:p>
             <a:r>
-              <a:rPr lang="en-US" altLang="ko-KR" sz="2800">
+              <a:rPr lang="en-US" altLang="ko-KR" sz="2800" dirty="0">
                 <a:latin typeface="나눔스퀘어 Bold" panose="020B0600000101010101" pitchFamily="50" charset="-127"/>
                 <a:ea typeface="나눔스퀘어 Bold" panose="020B0600000101010101" pitchFamily="50" charset="-127"/>
               </a:rPr>
               <a:t>11. </a:t>
             </a:r>
             <a:r>
-              <a:rPr lang="ko-KR" altLang="en-US" sz="2800">
+              <a:rPr lang="ko-KR" altLang="en-US" sz="2800" dirty="0" err="1">
                 <a:latin typeface="나눔스퀘어 Bold" panose="020B0600000101010101" pitchFamily="50" charset="-127"/>
                 <a:ea typeface="나눔스퀘어 Bold" panose="020B0600000101010101" pitchFamily="50" charset="-127"/>
               </a:rPr>
-              <a:t>글자삭제기능 추가</a:t>
-            </a:r>
-            <a:endParaRPr lang="en-US" altLang="ko-KR" sz="2800">
+              <a:t>글자삭제기능</a:t>
+            </a:r>
+            <a:r>
+              <a:rPr lang="ko-KR" altLang="en-US" sz="2800" dirty="0">
+                <a:latin typeface="나눔스퀘어 Bold" panose="020B0600000101010101" pitchFamily="50" charset="-127"/>
+                <a:ea typeface="나눔스퀘어 Bold" panose="020B0600000101010101" pitchFamily="50" charset="-127"/>
+              </a:rPr>
+              <a:t> 추가</a:t>
+            </a:r>
+            <a:endParaRPr lang="en-US" altLang="ko-KR" sz="2800" dirty="0">
               <a:latin typeface="나눔스퀘어 Bold" panose="020B0600000101010101" pitchFamily="50" charset="-127"/>
               <a:ea typeface="나눔스퀘어 Bold" panose="020B0600000101010101" pitchFamily="50" charset="-127"/>
             </a:endParaRPr>
           </a:p>
           <a:p>
             <a:r>
-              <a:rPr lang="en-US" altLang="ko-KR" sz="2800">
+              <a:rPr lang="en-US" altLang="ko-KR" sz="2800" dirty="0">
                 <a:latin typeface="나눔스퀘어 Bold" panose="020B0600000101010101" pitchFamily="50" charset="-127"/>
                 <a:ea typeface="나눔스퀘어 Bold" panose="020B0600000101010101" pitchFamily="50" charset="-127"/>
               </a:rPr>
               <a:t>12. </a:t>
             </a:r>
             <a:r>
-              <a:rPr lang="ko-KR" altLang="en-US" sz="2800">
+              <a:rPr lang="ko-KR" altLang="en-US" sz="2800" dirty="0" err="1">
                 <a:latin typeface="나눔스퀘어 Bold" panose="020B0600000101010101" pitchFamily="50" charset="-127"/>
                 <a:ea typeface="나눔스퀘어 Bold" panose="020B0600000101010101" pitchFamily="50" charset="-127"/>
               </a:rPr>
-              <a:t>엔터역할 추가</a:t>
-            </a:r>
-            <a:endParaRPr lang="en-US" altLang="ko-KR" sz="2800">
+              <a:t>엔터역할</a:t>
+            </a:r>
+            <a:r>
+              <a:rPr lang="ko-KR" altLang="en-US" sz="2800" dirty="0">
+                <a:latin typeface="나눔스퀘어 Bold" panose="020B0600000101010101" pitchFamily="50" charset="-127"/>
+                <a:ea typeface="나눔스퀘어 Bold" panose="020B0600000101010101" pitchFamily="50" charset="-127"/>
+              </a:rPr>
+              <a:t> 추가</a:t>
+            </a:r>
+            <a:endParaRPr lang="en-US" altLang="ko-KR" sz="2800" dirty="0">
               <a:latin typeface="나눔스퀘어 Bold" panose="020B0600000101010101" pitchFamily="50" charset="-127"/>
               <a:ea typeface="나눔스퀘어 Bold" panose="020B0600000101010101" pitchFamily="50" charset="-127"/>
             </a:endParaRPr>
           </a:p>
           <a:p>
             <a:r>
-              <a:rPr lang="en-US" altLang="ko-KR" sz="2800">
+              <a:rPr lang="en-US" altLang="ko-KR" sz="2800" dirty="0">
                 <a:latin typeface="나눔스퀘어 Bold" panose="020B0600000101010101" pitchFamily="50" charset="-127"/>
                 <a:ea typeface="나눔스퀘어 Bold" panose="020B0600000101010101" pitchFamily="50" charset="-127"/>
               </a:rPr>
               <a:t>13. </a:t>
             </a:r>
             <a:r>
-              <a:rPr lang="ko-KR" altLang="en-US" sz="2800">
+              <a:rPr lang="ko-KR" altLang="en-US" sz="2800" dirty="0" err="1">
                 <a:latin typeface="나눔스퀘어 Bold" panose="020B0600000101010101" pitchFamily="50" charset="-127"/>
                 <a:ea typeface="나눔스퀘어 Bold" panose="020B0600000101010101" pitchFamily="50" charset="-127"/>
               </a:rPr>
-              <a:t>메인화면으로 나가기 추가</a:t>
-            </a:r>
-            <a:endParaRPr lang="en-US" altLang="ko-KR" sz="2800">
+              <a:t>메인화면으로</a:t>
+            </a:r>
+            <a:r>
+              <a:rPr lang="ko-KR" altLang="en-US" sz="2800" dirty="0">
+                <a:latin typeface="나눔스퀘어 Bold" panose="020B0600000101010101" pitchFamily="50" charset="-127"/>
+                <a:ea typeface="나눔스퀘어 Bold" panose="020B0600000101010101" pitchFamily="50" charset="-127"/>
+              </a:rPr>
+              <a:t> 나가기 추가</a:t>
+            </a:r>
+            <a:endParaRPr lang="en-US" altLang="ko-KR" sz="2800" dirty="0">
               <a:latin typeface="나눔스퀘어 Bold" panose="020B0600000101010101" pitchFamily="50" charset="-127"/>
               <a:ea typeface="나눔스퀘어 Bold" panose="020B0600000101010101" pitchFamily="50" charset="-127"/>
             </a:endParaRPr>
           </a:p>
           <a:p>
             <a:r>
-              <a:rPr lang="en-US" altLang="ko-KR" sz="2800">
+              <a:rPr lang="en-US" altLang="ko-KR" sz="2800" dirty="0">
                 <a:latin typeface="나눔스퀘어 Bold" panose="020B0600000101010101" pitchFamily="50" charset="-127"/>
                 <a:ea typeface="나눔스퀘어 Bold" panose="020B0600000101010101" pitchFamily="50" charset="-127"/>
               </a:rPr>
               <a:t>14. </a:t>
             </a:r>
             <a:r>
-              <a:rPr lang="ko-KR" altLang="en-US" sz="2800">
+              <a:rPr lang="ko-KR" altLang="en-US" sz="2800" dirty="0">
                 <a:latin typeface="나눔스퀘어 Bold" panose="020B0600000101010101" pitchFamily="50" charset="-127"/>
                 <a:ea typeface="나눔스퀘어 Bold" panose="020B0600000101010101" pitchFamily="50" charset="-127"/>
               </a:rPr>
               <a:t> 종료기능 추가</a:t>
             </a:r>
-            <a:endParaRPr lang="en-US" altLang="ko-KR" sz="2800">
+            <a:endParaRPr lang="en-US" altLang="ko-KR" sz="2800" dirty="0">
               <a:latin typeface="나눔스퀘어 Bold" panose="020B0600000101010101" pitchFamily="50" charset="-127"/>
               <a:ea typeface="나눔스퀘어 Bold" panose="020B0600000101010101" pitchFamily="50" charset="-127"/>
             </a:endParaRPr>
@@ -12382,6 +12386,303 @@
               <a:latin typeface="나눔고딕" panose="020D0604000000000000" pitchFamily="50" charset="-127"/>
               <a:ea typeface="나눔고딕" panose="020D0604000000000000" pitchFamily="50" charset="-127"/>
             </a:endParaRPr>
+          </a:p>
+        </p:txBody>
+      </p:sp>
+    </p:spTree>
+    <p:extLst>
+      <p:ext uri="{BB962C8B-B14F-4D97-AF65-F5344CB8AC3E}">
+        <p14:creationId xmlns:p14="http://schemas.microsoft.com/office/powerpoint/2010/main" val="3447908046"/>
+      </p:ext>
+    </p:extLst>
+  </p:cSld>
+  <p:clrMapOvr>
+    <a:masterClrMapping/>
+  </p:clrMapOvr>
+</p:sld>
+</file>
+
+<file path=ppt/slides/slide25.xml><?xml version="1.0" encoding="utf-8"?>
+<p:sld xmlns:a="http://schemas.openxmlformats.org/drawingml/2006/main" xmlns:r="http://schemas.openxmlformats.org/officeDocument/2006/relationships" xmlns:p="http://schemas.openxmlformats.org/presentationml/2006/main">
+  <p:cSld>
+    <p:spTree>
+      <p:nvGrpSpPr>
+        <p:cNvPr id="1" name=""/>
+        <p:cNvGrpSpPr/>
+        <p:nvPr/>
+      </p:nvGrpSpPr>
+      <p:grpSpPr>
+        <a:xfrm>
+          <a:off x="0" y="0"/>
+          <a:ext cx="0" cy="0"/>
+          <a:chOff x="0" y="0"/>
+          <a:chExt cx="0" cy="0"/>
+        </a:xfrm>
+      </p:grpSpPr>
+      <p:cxnSp>
+        <p:nvCxnSpPr>
+          <p:cNvPr id="2" name="직선 연결선 1">
+            <a:extLst>
+              <a:ext uri="{FF2B5EF4-FFF2-40B4-BE49-F238E27FC236}">
+                <a16:creationId xmlns:a16="http://schemas.microsoft.com/office/drawing/2014/main" id="{88497CFD-9EB3-D291-D16E-EB80D6BF9829}"/>
+              </a:ext>
+            </a:extLst>
+          </p:cNvPr>
+          <p:cNvCxnSpPr/>
+          <p:nvPr/>
+        </p:nvCxnSpPr>
+        <p:spPr>
+          <a:xfrm>
+            <a:off x="0" y="826093"/>
+            <a:ext cx="7135586" cy="0"/>
+          </a:xfrm>
+          <a:prstGeom prst="line">
+            <a:avLst/>
+          </a:prstGeom>
+          <a:ln w="63500">
+            <a:solidFill>
+              <a:srgbClr val="336600"/>
+            </a:solidFill>
+          </a:ln>
+        </p:spPr>
+        <p:style>
+          <a:lnRef idx="1">
+            <a:schemeClr val="accent1"/>
+          </a:lnRef>
+          <a:fillRef idx="0">
+            <a:schemeClr val="accent1"/>
+          </a:fillRef>
+          <a:effectRef idx="0">
+            <a:schemeClr val="accent1"/>
+          </a:effectRef>
+          <a:fontRef idx="minor">
+            <a:schemeClr val="tx1"/>
+          </a:fontRef>
+        </p:style>
+      </p:cxnSp>
+      <p:cxnSp>
+        <p:nvCxnSpPr>
+          <p:cNvPr id="3" name="직선 연결선 2">
+            <a:extLst>
+              <a:ext uri="{FF2B5EF4-FFF2-40B4-BE49-F238E27FC236}">
+                <a16:creationId xmlns:a16="http://schemas.microsoft.com/office/drawing/2014/main" id="{0D10C273-7E13-71D4-502E-3BA409ADF836}"/>
+              </a:ext>
+            </a:extLst>
+          </p:cNvPr>
+          <p:cNvCxnSpPr/>
+          <p:nvPr/>
+        </p:nvCxnSpPr>
+        <p:spPr>
+          <a:xfrm>
+            <a:off x="6504214" y="6682027"/>
+            <a:ext cx="5687786" cy="0"/>
+          </a:xfrm>
+          <a:prstGeom prst="line">
+            <a:avLst/>
+          </a:prstGeom>
+          <a:ln w="63500">
+            <a:solidFill>
+              <a:srgbClr val="CE7E08"/>
+            </a:solidFill>
+          </a:ln>
+        </p:spPr>
+        <p:style>
+          <a:lnRef idx="1">
+            <a:schemeClr val="accent1"/>
+          </a:lnRef>
+          <a:fillRef idx="0">
+            <a:schemeClr val="accent1"/>
+          </a:fillRef>
+          <a:effectRef idx="0">
+            <a:schemeClr val="accent1"/>
+          </a:effectRef>
+          <a:fontRef idx="minor">
+            <a:schemeClr val="tx1"/>
+          </a:fontRef>
+        </p:style>
+      </p:cxnSp>
+      <p:sp>
+        <p:nvSpPr>
+          <p:cNvPr id="4" name="TextBox 3">
+            <a:extLst>
+              <a:ext uri="{FF2B5EF4-FFF2-40B4-BE49-F238E27FC236}">
+                <a16:creationId xmlns:a16="http://schemas.microsoft.com/office/drawing/2014/main" id="{FF08C0A2-8B47-F4CA-8BD8-66C96B5F6FC9}"/>
+              </a:ext>
+            </a:extLst>
+          </p:cNvPr>
+          <p:cNvSpPr txBox="1"/>
+          <p:nvPr/>
+        </p:nvSpPr>
+        <p:spPr>
+          <a:xfrm>
+            <a:off x="4773054" y="1009321"/>
+            <a:ext cx="1731160" cy="646330"/>
+          </a:xfrm>
+          <a:prstGeom prst="rect">
+            <a:avLst/>
+          </a:prstGeom>
+          <a:noFill/>
+        </p:spPr>
+        <p:txBody>
+          <a:bodyPr wrap="square" rtlCol="0">
+            <a:spAutoFit/>
+          </a:bodyPr>
+          <a:lstStyle/>
+          <a:p>
+            <a:r>
+              <a:rPr lang="ko-KR" altLang="en-US" sz="3600" b="1" dirty="0">
+                <a:latin typeface="나눔고딕" panose="020D0604000000000000" pitchFamily="50" charset="-127"/>
+                <a:ea typeface="나눔고딕" panose="020D0604000000000000" pitchFamily="50" charset="-127"/>
+              </a:rPr>
+              <a:t>점수</a:t>
+            </a:r>
+          </a:p>
+        </p:txBody>
+      </p:sp>
+      <p:sp>
+        <p:nvSpPr>
+          <p:cNvPr id="10" name="TextBox 9">
+            <a:extLst>
+              <a:ext uri="{FF2B5EF4-FFF2-40B4-BE49-F238E27FC236}">
+                <a16:creationId xmlns:a16="http://schemas.microsoft.com/office/drawing/2014/main" id="{0B12F72E-EDBE-8B89-B55B-B419238E7216}"/>
+              </a:ext>
+            </a:extLst>
+          </p:cNvPr>
+          <p:cNvSpPr txBox="1"/>
+          <p:nvPr/>
+        </p:nvSpPr>
+        <p:spPr>
+          <a:xfrm>
+            <a:off x="4317477" y="2322899"/>
+            <a:ext cx="2960016" cy="2862322"/>
+          </a:xfrm>
+          <a:prstGeom prst="rect">
+            <a:avLst/>
+          </a:prstGeom>
+          <a:noFill/>
+        </p:spPr>
+        <p:txBody>
+          <a:bodyPr wrap="square" rtlCol="0">
+            <a:spAutoFit/>
+          </a:bodyPr>
+          <a:lstStyle/>
+          <a:p>
+            <a:r>
+              <a:rPr lang="en-US" altLang="ko-KR" dirty="0"/>
+              <a:t>1. </a:t>
+            </a:r>
+            <a:r>
+              <a:rPr lang="ko-KR" altLang="en-US" dirty="0"/>
+              <a:t>화면 추가</a:t>
+            </a:r>
+            <a:endParaRPr lang="en-US" altLang="ko-KR" dirty="0"/>
+          </a:p>
+          <a:p>
+            <a:r>
+              <a:rPr lang="en-US" altLang="ko-KR" dirty="0"/>
+              <a:t>2. </a:t>
+            </a:r>
+            <a:r>
+              <a:rPr lang="ko-KR" altLang="en-US" dirty="0"/>
+              <a:t>소리 설정 추가</a:t>
+            </a:r>
+            <a:endParaRPr lang="en-US" altLang="ko-KR" dirty="0"/>
+          </a:p>
+          <a:p>
+            <a:r>
+              <a:rPr lang="en-US" altLang="ko-KR" dirty="0"/>
+              <a:t>3. </a:t>
+            </a:r>
+            <a:r>
+              <a:rPr lang="ko-KR" altLang="en-US" dirty="0"/>
+              <a:t>글자 색상 추가</a:t>
+            </a:r>
+            <a:endParaRPr lang="en-US" altLang="ko-KR" dirty="0"/>
+          </a:p>
+          <a:p>
+            <a:r>
+              <a:rPr lang="en-US" altLang="ko-KR" dirty="0"/>
+              <a:t>4. </a:t>
+            </a:r>
+            <a:r>
+              <a:rPr lang="ko-KR" altLang="en-US" dirty="0"/>
+              <a:t>배경 색상 추가</a:t>
+            </a:r>
+            <a:endParaRPr lang="en-US" altLang="ko-KR" dirty="0"/>
+          </a:p>
+          <a:p>
+            <a:r>
+              <a:rPr lang="en-US" altLang="ko-KR" dirty="0"/>
+              <a:t>5. </a:t>
+            </a:r>
+            <a:r>
+              <a:rPr lang="ko-KR" altLang="en-US" dirty="0"/>
+              <a:t>입력 내용 저장 추가</a:t>
+            </a:r>
+            <a:endParaRPr lang="en-US" altLang="ko-KR" dirty="0"/>
+          </a:p>
+          <a:p>
+            <a:r>
+              <a:rPr lang="en-US" altLang="ko-KR" dirty="0"/>
+              <a:t>6. </a:t>
+            </a:r>
+            <a:r>
+              <a:rPr lang="ko-KR" altLang="en-US" dirty="0"/>
+              <a:t>입력내용 출력 추가</a:t>
+            </a:r>
+            <a:endParaRPr lang="en-US" altLang="ko-KR" dirty="0"/>
+          </a:p>
+          <a:p>
+            <a:r>
+              <a:rPr lang="en-US" altLang="ko-KR" dirty="0"/>
+              <a:t>7. </a:t>
+            </a:r>
+            <a:r>
+              <a:rPr lang="ko-KR" altLang="en-US" dirty="0" err="1"/>
+              <a:t>엔터</a:t>
+            </a:r>
+            <a:r>
+              <a:rPr lang="ko-KR" altLang="en-US" dirty="0"/>
+              <a:t> 역할 추가</a:t>
+            </a:r>
+            <a:endParaRPr lang="en-US" altLang="ko-KR" dirty="0"/>
+          </a:p>
+          <a:p>
+            <a:r>
+              <a:rPr lang="en-US" altLang="ko-KR" dirty="0"/>
+              <a:t>8. </a:t>
+            </a:r>
+            <a:r>
+              <a:rPr lang="ko-KR" altLang="en-US" dirty="0"/>
+              <a:t>글자 삭제 추가</a:t>
+            </a:r>
+            <a:endParaRPr lang="en-US" altLang="ko-KR" dirty="0"/>
+          </a:p>
+          <a:p>
+            <a:r>
+              <a:rPr lang="en-US" altLang="ko-KR" dirty="0"/>
+              <a:t>9. </a:t>
+            </a:r>
+            <a:r>
+              <a:rPr lang="ko-KR" altLang="en-US" dirty="0" err="1"/>
+              <a:t>메인화면</a:t>
+            </a:r>
+            <a:r>
+              <a:rPr lang="ko-KR" altLang="en-US" dirty="0"/>
+              <a:t> 나가기 추가 </a:t>
+            </a:r>
+            <a:endParaRPr lang="en-US" altLang="ko-KR" dirty="0"/>
+          </a:p>
+          <a:p>
+            <a:r>
+              <a:rPr lang="en-US" altLang="ko-KR" dirty="0"/>
+              <a:t>10 .</a:t>
+            </a:r>
+            <a:r>
+              <a:rPr lang="ko-KR" altLang="en-US" dirty="0"/>
+              <a:t>종료 추가</a:t>
+            </a:r>
+            <a:endParaRPr lang="en-US" altLang="ko-KR" dirty="0"/>
           </a:p>
         </p:txBody>
       </p:sp>
